--- a/docs/midterm_update.pptx
+++ b/docs/midterm_update.pptx
@@ -3723,7 +3723,6 @@
               <a:rPr lang="en-US" dirty="0" smtClean="0"/>
               <a:t>Localization</a:t>
             </a:r>
-            <a:endParaRPr lang="en-US" dirty="0" smtClean="0"/>
           </a:p>
           <a:p>
             <a:r>
